--- a/calendario/documentos/10_Archivos.pptx
+++ b/calendario/documentos/10_Archivos.pptx
@@ -228,7 +228,7 @@
           <a:p>
             <a:fld id="{59C7E2AA-6A4C-4042-9554-ED2A913B287A}" type="datetimeFigureOut">
               <a:rPr lang="es-MX" smtClean="0"/>
-              <a:t>17/10/2019</a:t>
+              <a:t>18/10/2019</a:t>
             </a:fld>
             <a:endParaRPr lang="es-MX" dirty="0"/>
           </a:p>
@@ -2991,7 +2991,7 @@
           <a:p>
             <a:fld id="{BAE3B62E-9D6B-4C41-BFE5-D19C53A0513B}" type="datetimeFigureOut">
               <a:rPr lang="es-MX" smtClean="0"/>
-              <a:t>17/10/2019</a:t>
+              <a:t>18/10/2019</a:t>
             </a:fld>
             <a:endParaRPr lang="es-MX" dirty="0"/>
           </a:p>
@@ -3161,7 +3161,7 @@
           <a:p>
             <a:fld id="{BAE3B62E-9D6B-4C41-BFE5-D19C53A0513B}" type="datetimeFigureOut">
               <a:rPr lang="es-MX" smtClean="0"/>
-              <a:t>17/10/2019</a:t>
+              <a:t>18/10/2019</a:t>
             </a:fld>
             <a:endParaRPr lang="es-MX" dirty="0"/>
           </a:p>
@@ -3341,7 +3341,7 @@
           <a:p>
             <a:fld id="{BAE3B62E-9D6B-4C41-BFE5-D19C53A0513B}" type="datetimeFigureOut">
               <a:rPr lang="es-MX" smtClean="0"/>
-              <a:t>17/10/2019</a:t>
+              <a:t>18/10/2019</a:t>
             </a:fld>
             <a:endParaRPr lang="es-MX" dirty="0"/>
           </a:p>
@@ -3511,7 +3511,7 @@
           <a:p>
             <a:fld id="{BAE3B62E-9D6B-4C41-BFE5-D19C53A0513B}" type="datetimeFigureOut">
               <a:rPr lang="es-MX" smtClean="0"/>
-              <a:t>17/10/2019</a:t>
+              <a:t>18/10/2019</a:t>
             </a:fld>
             <a:endParaRPr lang="es-MX" dirty="0"/>
           </a:p>
@@ -3757,7 +3757,7 @@
           <a:p>
             <a:fld id="{BAE3B62E-9D6B-4C41-BFE5-D19C53A0513B}" type="datetimeFigureOut">
               <a:rPr lang="es-MX" smtClean="0"/>
-              <a:t>17/10/2019</a:t>
+              <a:t>18/10/2019</a:t>
             </a:fld>
             <a:endParaRPr lang="es-MX" dirty="0"/>
           </a:p>
@@ -4045,7 +4045,7 @@
           <a:p>
             <a:fld id="{BAE3B62E-9D6B-4C41-BFE5-D19C53A0513B}" type="datetimeFigureOut">
               <a:rPr lang="es-MX" smtClean="0"/>
-              <a:t>17/10/2019</a:t>
+              <a:t>18/10/2019</a:t>
             </a:fld>
             <a:endParaRPr lang="es-MX" dirty="0"/>
           </a:p>
@@ -4467,7 +4467,7 @@
           <a:p>
             <a:fld id="{BAE3B62E-9D6B-4C41-BFE5-D19C53A0513B}" type="datetimeFigureOut">
               <a:rPr lang="es-MX" smtClean="0"/>
-              <a:t>17/10/2019</a:t>
+              <a:t>18/10/2019</a:t>
             </a:fld>
             <a:endParaRPr lang="es-MX" dirty="0"/>
           </a:p>
@@ -4585,7 +4585,7 @@
           <a:p>
             <a:fld id="{BAE3B62E-9D6B-4C41-BFE5-D19C53A0513B}" type="datetimeFigureOut">
               <a:rPr lang="es-MX" smtClean="0"/>
-              <a:t>17/10/2019</a:t>
+              <a:t>18/10/2019</a:t>
             </a:fld>
             <a:endParaRPr lang="es-MX" dirty="0"/>
           </a:p>
@@ -4680,7 +4680,7 @@
           <a:p>
             <a:fld id="{BAE3B62E-9D6B-4C41-BFE5-D19C53A0513B}" type="datetimeFigureOut">
               <a:rPr lang="es-MX" smtClean="0"/>
-              <a:t>17/10/2019</a:t>
+              <a:t>18/10/2019</a:t>
             </a:fld>
             <a:endParaRPr lang="es-MX" dirty="0"/>
           </a:p>
@@ -4957,7 +4957,7 @@
           <a:p>
             <a:fld id="{BAE3B62E-9D6B-4C41-BFE5-D19C53A0513B}" type="datetimeFigureOut">
               <a:rPr lang="es-MX" smtClean="0"/>
-              <a:t>17/10/2019</a:t>
+              <a:t>18/10/2019</a:t>
             </a:fld>
             <a:endParaRPr lang="es-MX" dirty="0"/>
           </a:p>
@@ -5210,7 +5210,7 @@
           <a:p>
             <a:fld id="{BAE3B62E-9D6B-4C41-BFE5-D19C53A0513B}" type="datetimeFigureOut">
               <a:rPr lang="es-MX" smtClean="0"/>
-              <a:t>17/10/2019</a:t>
+              <a:t>18/10/2019</a:t>
             </a:fld>
             <a:endParaRPr lang="es-MX" dirty="0"/>
           </a:p>
@@ -5423,7 +5423,7 @@
           <a:p>
             <a:fld id="{BAE3B62E-9D6B-4C41-BFE5-D19C53A0513B}" type="datetimeFigureOut">
               <a:rPr lang="es-MX" smtClean="0"/>
-              <a:t>17/10/2019</a:t>
+              <a:t>18/10/2019</a:t>
             </a:fld>
             <a:endParaRPr lang="es-MX" dirty="0"/>
           </a:p>
@@ -6016,8 +6016,8 @@
         </p:nvSpPr>
         <p:spPr bwMode="auto">
           <a:xfrm>
-            <a:off x="916732" y="1700808"/>
-            <a:ext cx="8208912" cy="3970960"/>
+            <a:off x="780508" y="2041427"/>
+            <a:ext cx="8208912" cy="4090352"/>
           </a:xfrm>
           <a:prstGeom prst="rect">
             <a:avLst/>
@@ -6062,48 +6062,11 @@
           </a:bodyPr>
           <a:lstStyle/>
           <a:p>
-            <a:pPr algn="just" eaLnBrk="0" hangingPunct="0">
+            <a:pPr>
               <a:lnSpc>
-                <a:spcPct val="150000"/>
+                <a:spcPts val="3500"/>
               </a:lnSpc>
             </a:pPr>
-            <a:r>
-              <a:rPr lang="es-ES" sz="2400" b="1" dirty="0" err="1">
-                <a:solidFill>
-                  <a:srgbClr val="FF0000"/>
-                </a:solidFill>
-                <a:latin typeface="Arial" pitchFamily="34" charset="0"/>
-                <a:cs typeface="Arial" pitchFamily="34" charset="0"/>
-              </a:rPr>
-              <a:t>archivo.readlines</a:t>
-            </a:r>
-            <a:r>
-              <a:rPr lang="es-ES" sz="2400" b="1" dirty="0">
-                <a:solidFill>
-                  <a:srgbClr val="FF0000"/>
-                </a:solidFill>
-                <a:latin typeface="Arial" pitchFamily="34" charset="0"/>
-                <a:cs typeface="Arial" pitchFamily="34" charset="0"/>
-              </a:rPr>
-              <a:t>()</a:t>
-            </a:r>
-            <a:r>
-              <a:rPr lang="es-MX" sz="2400" b="1" dirty="0"/>
-              <a:t> </a:t>
-            </a:r>
-          </a:p>
-          <a:p>
-            <a:endParaRPr lang="en-US" sz="2400" dirty="0">
-              <a:solidFill>
-                <a:schemeClr val="bg2">
-                  <a:lumMod val="25000"/>
-                </a:schemeClr>
-              </a:solidFill>
-              <a:latin typeface="Arial" pitchFamily="34" charset="0"/>
-              <a:cs typeface="Arial" pitchFamily="34" charset="0"/>
-            </a:endParaRPr>
-          </a:p>
-          <a:p>
             <a:r>
               <a:rPr lang="en-US" sz="2400" b="1" dirty="0">
                 <a:solidFill>
@@ -6119,6 +6082,16 @@
             <a:r>
               <a:rPr lang="en-US" sz="2400" b="1" dirty="0" err="1">
                 <a:solidFill>
+                  <a:srgbClr val="0070C0"/>
+                </a:solidFill>
+                <a:latin typeface="Arial" pitchFamily="34" charset="0"/>
+                <a:cs typeface="Arial" pitchFamily="34" charset="0"/>
+              </a:rPr>
+              <a:t>leeLineas</a:t>
+            </a:r>
+            <a:r>
+              <a:rPr lang="en-US" sz="2400" b="1" dirty="0">
+                <a:solidFill>
                   <a:schemeClr val="bg2">
                     <a:lumMod val="25000"/>
                   </a:schemeClr>
@@ -6126,10 +6099,10 @@
                 <a:latin typeface="Arial" pitchFamily="34" charset="0"/>
                 <a:cs typeface="Arial" pitchFamily="34" charset="0"/>
               </a:rPr>
-              <a:t>leeLineas</a:t>
-            </a:r>
-            <a:r>
-              <a:rPr lang="en-US" sz="2400" b="1" dirty="0">
+              <a:t>(</a:t>
+            </a:r>
+            <a:r>
+              <a:rPr lang="en-US" sz="2400" b="1" dirty="0" err="1">
                 <a:solidFill>
                   <a:schemeClr val="bg2">
                     <a:lumMod val="25000"/>
@@ -6138,10 +6111,10 @@
                 <a:latin typeface="Arial" pitchFamily="34" charset="0"/>
                 <a:cs typeface="Arial" pitchFamily="34" charset="0"/>
               </a:rPr>
-              <a:t>(</a:t>
-            </a:r>
-            <a:r>
-              <a:rPr lang="en-US" sz="2400" b="1" dirty="0" err="1">
+              <a:t>ruta</a:t>
+            </a:r>
+            <a:r>
+              <a:rPr lang="en-US" sz="2400" b="1" dirty="0">
                 <a:solidFill>
                   <a:schemeClr val="bg2">
                     <a:lumMod val="25000"/>
@@ -6150,8 +6123,15 @@
                 <a:latin typeface="Arial" pitchFamily="34" charset="0"/>
                 <a:cs typeface="Arial" pitchFamily="34" charset="0"/>
               </a:rPr>
-              <a:t>ruta</a:t>
-            </a:r>
+              <a:t>):</a:t>
+            </a:r>
+          </a:p>
+          <a:p>
+            <a:pPr>
+              <a:lnSpc>
+                <a:spcPts val="3500"/>
+              </a:lnSpc>
+            </a:pPr>
             <a:r>
               <a:rPr lang="en-US" sz="2400" b="1" dirty="0">
                 <a:solidFill>
@@ -6162,10 +6142,20 @@
                 <a:latin typeface="Arial" pitchFamily="34" charset="0"/>
                 <a:cs typeface="Arial" pitchFamily="34" charset="0"/>
               </a:rPr>
-              <a:t>):</a:t>
-            </a:r>
-          </a:p>
-          <a:p>
+              <a:t>    </a:t>
+            </a:r>
+            <a:r>
+              <a:rPr lang="en-US" sz="2400" b="1" dirty="0" err="1">
+                <a:solidFill>
+                  <a:schemeClr val="accent6">
+                    <a:lumMod val="75000"/>
+                  </a:schemeClr>
+                </a:solidFill>
+                <a:latin typeface="Arial" pitchFamily="34" charset="0"/>
+                <a:cs typeface="Arial" pitchFamily="34" charset="0"/>
+              </a:rPr>
+              <a:t>archivo</a:t>
+            </a:r>
             <a:r>
               <a:rPr lang="en-US" sz="2400" b="1" dirty="0">
                 <a:solidFill>
@@ -6176,7 +6166,7 @@
                 <a:latin typeface="Arial" pitchFamily="34" charset="0"/>
                 <a:cs typeface="Arial" pitchFamily="34" charset="0"/>
               </a:rPr>
-              <a:t>    </a:t>
+              <a:t> = open(</a:t>
             </a:r>
             <a:r>
               <a:rPr lang="en-US" sz="2400" b="1" dirty="0" err="1">
@@ -6188,7 +6178,7 @@
                 <a:latin typeface="Arial" pitchFamily="34" charset="0"/>
                 <a:cs typeface="Arial" pitchFamily="34" charset="0"/>
               </a:rPr>
-              <a:t>archivo</a:t>
+              <a:t>ruta</a:t>
             </a:r>
             <a:r>
               <a:rPr lang="en-US" sz="2400" b="1" dirty="0">
@@ -6200,10 +6190,17 @@
                 <a:latin typeface="Arial" pitchFamily="34" charset="0"/>
                 <a:cs typeface="Arial" pitchFamily="34" charset="0"/>
               </a:rPr>
-              <a:t> = open(</a:t>
-            </a:r>
-            <a:r>
-              <a:rPr lang="en-US" sz="2400" b="1" dirty="0" err="1">
+              <a:t>, "r")</a:t>
+            </a:r>
+          </a:p>
+          <a:p>
+            <a:pPr>
+              <a:lnSpc>
+                <a:spcPts val="3500"/>
+              </a:lnSpc>
+            </a:pPr>
+            <a:r>
+              <a:rPr lang="en-US" sz="2400" b="1" dirty="0">
                 <a:solidFill>
                   <a:schemeClr val="bg2">
                     <a:lumMod val="25000"/>
@@ -6212,10 +6209,10 @@
                 <a:latin typeface="Arial" pitchFamily="34" charset="0"/>
                 <a:cs typeface="Arial" pitchFamily="34" charset="0"/>
               </a:rPr>
-              <a:t>ruta</a:t>
-            </a:r>
-            <a:r>
-              <a:rPr lang="en-US" sz="2400" b="1" dirty="0">
+              <a:t>    </a:t>
+            </a:r>
+            <a:r>
+              <a:rPr lang="en-US" sz="2400" b="1" dirty="0" err="1">
                 <a:solidFill>
                   <a:schemeClr val="bg2">
                     <a:lumMod val="25000"/>
@@ -6224,10 +6221,8 @@
                 <a:latin typeface="Arial" pitchFamily="34" charset="0"/>
                 <a:cs typeface="Arial" pitchFamily="34" charset="0"/>
               </a:rPr>
-              <a:t>, "r")</a:t>
-            </a:r>
-          </a:p>
-          <a:p>
+              <a:t>lineas</a:t>
+            </a:r>
             <a:r>
               <a:rPr lang="en-US" sz="2400" b="1" dirty="0">
                 <a:solidFill>
@@ -6238,10 +6233,20 @@
                 <a:latin typeface="Arial" pitchFamily="34" charset="0"/>
                 <a:cs typeface="Arial" pitchFamily="34" charset="0"/>
               </a:rPr>
-              <a:t>    </a:t>
+              <a:t> =</a:t>
             </a:r>
             <a:r>
               <a:rPr lang="en-US" sz="2400" b="1" dirty="0" err="1">
+                <a:solidFill>
+                  <a:srgbClr val="FF0000"/>
+                </a:solidFill>
+                <a:latin typeface="Arial" pitchFamily="34" charset="0"/>
+                <a:cs typeface="Arial" pitchFamily="34" charset="0"/>
+              </a:rPr>
+              <a:t>archivo.readlines</a:t>
+            </a:r>
+            <a:r>
+              <a:rPr lang="en-US" sz="2400" b="1" dirty="0">
                 <a:solidFill>
                   <a:schemeClr val="bg2">
                     <a:lumMod val="25000"/>
@@ -6250,8 +6255,15 @@
                 <a:latin typeface="Arial" pitchFamily="34" charset="0"/>
                 <a:cs typeface="Arial" pitchFamily="34" charset="0"/>
               </a:rPr>
-              <a:t>lineas</a:t>
-            </a:r>
+              <a:t>()</a:t>
+            </a:r>
+          </a:p>
+          <a:p>
+            <a:pPr>
+              <a:lnSpc>
+                <a:spcPts val="3500"/>
+              </a:lnSpc>
+            </a:pPr>
             <a:r>
               <a:rPr lang="en-US" sz="2400" b="1" dirty="0">
                 <a:solidFill>
@@ -6262,7 +6274,7 @@
                 <a:latin typeface="Arial" pitchFamily="34" charset="0"/>
                 <a:cs typeface="Arial" pitchFamily="34" charset="0"/>
               </a:rPr>
-              <a:t> =</a:t>
+              <a:t>    print(</a:t>
             </a:r>
             <a:r>
               <a:rPr lang="en-US" sz="2400" b="1" dirty="0" err="1">
@@ -6274,7 +6286,7 @@
                 <a:latin typeface="Arial" pitchFamily="34" charset="0"/>
                 <a:cs typeface="Arial" pitchFamily="34" charset="0"/>
               </a:rPr>
-              <a:t>archivo.readlines</a:t>
+              <a:t>lineas</a:t>
             </a:r>
             <a:r>
               <a:rPr lang="en-US" sz="2400" b="1" dirty="0">
@@ -6286,10 +6298,15 @@
                 <a:latin typeface="Arial" pitchFamily="34" charset="0"/>
                 <a:cs typeface="Arial" pitchFamily="34" charset="0"/>
               </a:rPr>
-              <a:t>()</a:t>
-            </a:r>
-          </a:p>
-          <a:p>
+              <a:t>)</a:t>
+            </a:r>
+          </a:p>
+          <a:p>
+            <a:pPr>
+              <a:lnSpc>
+                <a:spcPts val="3500"/>
+              </a:lnSpc>
+            </a:pPr>
             <a:r>
               <a:rPr lang="en-US" sz="2400" b="1" dirty="0">
                 <a:solidFill>
@@ -6300,7 +6317,7 @@
                 <a:latin typeface="Arial" pitchFamily="34" charset="0"/>
                 <a:cs typeface="Arial" pitchFamily="34" charset="0"/>
               </a:rPr>
-              <a:t>    print(</a:t>
+              <a:t>    for i in range(0, </a:t>
             </a:r>
             <a:r>
               <a:rPr lang="en-US" sz="2400" b="1" dirty="0" err="1">
@@ -6312,7 +6329,7 @@
                 <a:latin typeface="Arial" pitchFamily="34" charset="0"/>
                 <a:cs typeface="Arial" pitchFamily="34" charset="0"/>
               </a:rPr>
-              <a:t>lineas</a:t>
+              <a:t>len</a:t>
             </a:r>
             <a:r>
               <a:rPr lang="en-US" sz="2400" b="1" dirty="0">
@@ -6324,12 +6341,10 @@
                 <a:latin typeface="Arial" pitchFamily="34" charset="0"/>
                 <a:cs typeface="Arial" pitchFamily="34" charset="0"/>
               </a:rPr>
-              <a:t>)</a:t>
-            </a:r>
-          </a:p>
-          <a:p>
-            <a:r>
-              <a:rPr lang="en-US" sz="2400" b="1" dirty="0">
+              <a:t>(</a:t>
+            </a:r>
+            <a:r>
+              <a:rPr lang="en-US" sz="2400" b="1" dirty="0" err="1">
                 <a:solidFill>
                   <a:schemeClr val="bg2">
                     <a:lumMod val="25000"/>
@@ -6338,10 +6353,10 @@
                 <a:latin typeface="Arial" pitchFamily="34" charset="0"/>
                 <a:cs typeface="Arial" pitchFamily="34" charset="0"/>
               </a:rPr>
-              <a:t>    for i in range(0, </a:t>
-            </a:r>
-            <a:r>
-              <a:rPr lang="en-US" sz="2400" b="1" dirty="0" err="1">
+              <a:t>lineas</a:t>
+            </a:r>
+            <a:r>
+              <a:rPr lang="en-US" sz="2400" b="1" dirty="0">
                 <a:solidFill>
                   <a:schemeClr val="bg2">
                     <a:lumMod val="25000"/>
@@ -6350,8 +6365,15 @@
                 <a:latin typeface="Arial" pitchFamily="34" charset="0"/>
                 <a:cs typeface="Arial" pitchFamily="34" charset="0"/>
               </a:rPr>
-              <a:t>len</a:t>
-            </a:r>
+              <a:t>)):</a:t>
+            </a:r>
+          </a:p>
+          <a:p>
+            <a:pPr>
+              <a:lnSpc>
+                <a:spcPts val="3500"/>
+              </a:lnSpc>
+            </a:pPr>
             <a:r>
               <a:rPr lang="en-US" sz="2400" b="1" dirty="0">
                 <a:solidFill>
@@ -6362,7 +6384,7 @@
                 <a:latin typeface="Arial" pitchFamily="34" charset="0"/>
                 <a:cs typeface="Arial" pitchFamily="34" charset="0"/>
               </a:rPr>
-              <a:t>(</a:t>
+              <a:t>        print(</a:t>
             </a:r>
             <a:r>
               <a:rPr lang="en-US" sz="2400" b="1" dirty="0" err="1">
@@ -6386,48 +6408,58 @@
                 <a:latin typeface="Arial" pitchFamily="34" charset="0"/>
                 <a:cs typeface="Arial" pitchFamily="34" charset="0"/>
               </a:rPr>
-              <a:t>)):</a:t>
-            </a:r>
-          </a:p>
-          <a:p>
+              <a:t>[i])</a:t>
+            </a:r>
+          </a:p>
+          <a:p>
+            <a:pPr>
+              <a:lnSpc>
+                <a:spcPts val="3500"/>
+              </a:lnSpc>
+            </a:pPr>
             <a:r>
               <a:rPr lang="en-US" sz="2400" b="1" dirty="0">
                 <a:solidFill>
-                  <a:schemeClr val="bg2">
-                    <a:lumMod val="25000"/>
+                  <a:schemeClr val="accent6">
+                    <a:lumMod val="75000"/>
                   </a:schemeClr>
                 </a:solidFill>
                 <a:latin typeface="Arial" pitchFamily="34" charset="0"/>
                 <a:cs typeface="Arial" pitchFamily="34" charset="0"/>
               </a:rPr>
-              <a:t>        print(</a:t>
+              <a:t>    </a:t>
             </a:r>
             <a:r>
               <a:rPr lang="en-US" sz="2400" b="1" dirty="0" err="1">
                 <a:solidFill>
-                  <a:schemeClr val="bg2">
-                    <a:lumMod val="25000"/>
+                  <a:schemeClr val="accent6">
+                    <a:lumMod val="75000"/>
                   </a:schemeClr>
                 </a:solidFill>
                 <a:latin typeface="Arial" pitchFamily="34" charset="0"/>
                 <a:cs typeface="Arial" pitchFamily="34" charset="0"/>
               </a:rPr>
-              <a:t>lineas</a:t>
+              <a:t>archivo.close</a:t>
             </a:r>
             <a:r>
               <a:rPr lang="en-US" sz="2400" b="1" dirty="0">
                 <a:solidFill>
-                  <a:schemeClr val="bg2">
-                    <a:lumMod val="25000"/>
+                  <a:schemeClr val="accent6">
+                    <a:lumMod val="75000"/>
                   </a:schemeClr>
                 </a:solidFill>
                 <a:latin typeface="Arial" pitchFamily="34" charset="0"/>
                 <a:cs typeface="Arial" pitchFamily="34" charset="0"/>
               </a:rPr>
-              <a:t>[i])</a:t>
-            </a:r>
-          </a:p>
-          <a:p>
+              <a:t>()</a:t>
+            </a:r>
+          </a:p>
+          <a:p>
+            <a:pPr>
+              <a:lnSpc>
+                <a:spcPts val="3500"/>
+              </a:lnSpc>
+            </a:pPr>
             <a:endParaRPr lang="en-US" sz="2400" b="1" dirty="0">
               <a:solidFill>
                 <a:schemeClr val="bg2">
@@ -6439,12 +6471,15 @@
             </a:endParaRPr>
           </a:p>
           <a:p>
+            <a:pPr>
+              <a:lnSpc>
+                <a:spcPts val="3500"/>
+              </a:lnSpc>
+            </a:pPr>
             <a:r>
               <a:rPr lang="en-US" sz="2400" b="1" dirty="0" err="1">
                 <a:solidFill>
-                  <a:schemeClr val="bg2">
-                    <a:lumMod val="25000"/>
-                  </a:schemeClr>
+                  <a:srgbClr val="0070C0"/>
                 </a:solidFill>
                 <a:latin typeface="Arial" pitchFamily="34" charset="0"/>
                 <a:cs typeface="Arial" pitchFamily="34" charset="0"/>
@@ -6485,8 +6520,8 @@
         </p:nvSpPr>
         <p:spPr bwMode="auto">
           <a:xfrm>
-            <a:off x="395536" y="188640"/>
-            <a:ext cx="8280400" cy="1143000"/>
+            <a:off x="180032" y="0"/>
+            <a:ext cx="8280400" cy="2041427"/>
           </a:xfrm>
           <a:prstGeom prst="rect">
             <a:avLst/>
@@ -6545,7 +6580,7 @@
                   </a:outerShdw>
                 </a:effectLst>
               </a:rPr>
-              <a:t>Obtener una lista con todas las líneas del archivo</a:t>
+              <a:t>Obtener una lista con todas las líneas del archivo </a:t>
             </a:r>
           </a:p>
         </p:txBody>
@@ -6745,7 +6780,7 @@
         <p:spPr bwMode="auto">
           <a:xfrm>
             <a:off x="935088" y="1341434"/>
-            <a:ext cx="8208912" cy="5078955"/>
+            <a:ext cx="8208912" cy="4988033"/>
           </a:xfrm>
           <a:prstGeom prst="rect">
             <a:avLst/>
@@ -6790,48 +6825,11 @@
           </a:bodyPr>
           <a:lstStyle/>
           <a:p>
-            <a:pPr algn="just" eaLnBrk="0" hangingPunct="0">
+            <a:pPr>
               <a:lnSpc>
-                <a:spcPct val="150000"/>
+                <a:spcPts val="3500"/>
               </a:lnSpc>
             </a:pPr>
-            <a:r>
-              <a:rPr lang="es-ES" sz="2400" b="1" dirty="0" err="1">
-                <a:solidFill>
-                  <a:srgbClr val="FF0000"/>
-                </a:solidFill>
-                <a:latin typeface="Arial" pitchFamily="34" charset="0"/>
-                <a:cs typeface="Arial" pitchFamily="34" charset="0"/>
-              </a:rPr>
-              <a:t>archivo.read</a:t>
-            </a:r>
-            <a:r>
-              <a:rPr lang="es-ES" sz="2400" b="1" dirty="0">
-                <a:solidFill>
-                  <a:srgbClr val="FF0000"/>
-                </a:solidFill>
-                <a:latin typeface="Arial" pitchFamily="34" charset="0"/>
-                <a:cs typeface="Arial" pitchFamily="34" charset="0"/>
-              </a:rPr>
-              <a:t>(1)</a:t>
-            </a:r>
-            <a:r>
-              <a:rPr lang="es-MX" sz="2400" b="1" dirty="0"/>
-              <a:t> </a:t>
-            </a:r>
-          </a:p>
-          <a:p>
-            <a:endParaRPr lang="en-US" sz="2400" dirty="0">
-              <a:solidFill>
-                <a:schemeClr val="bg2">
-                  <a:lumMod val="25000"/>
-                </a:schemeClr>
-              </a:solidFill>
-              <a:latin typeface="Arial" pitchFamily="34" charset="0"/>
-              <a:cs typeface="Arial" pitchFamily="34" charset="0"/>
-            </a:endParaRPr>
-          </a:p>
-          <a:p>
             <a:r>
               <a:rPr lang="en-US" sz="2400" b="1" dirty="0">
                 <a:solidFill>
@@ -6847,6 +6845,16 @@
             <a:r>
               <a:rPr lang="en-US" sz="2400" b="1" dirty="0" err="1">
                 <a:solidFill>
+                  <a:srgbClr val="0070C0"/>
+                </a:solidFill>
+                <a:latin typeface="Arial" pitchFamily="34" charset="0"/>
+                <a:cs typeface="Arial" pitchFamily="34" charset="0"/>
+              </a:rPr>
+              <a:t>leerCaracteres</a:t>
+            </a:r>
+            <a:r>
+              <a:rPr lang="en-US" sz="2400" b="1" dirty="0">
+                <a:solidFill>
                   <a:schemeClr val="bg2">
                     <a:lumMod val="25000"/>
                   </a:schemeClr>
@@ -6854,10 +6862,10 @@
                 <a:latin typeface="Arial" pitchFamily="34" charset="0"/>
                 <a:cs typeface="Arial" pitchFamily="34" charset="0"/>
               </a:rPr>
-              <a:t>leerCaracteres</a:t>
-            </a:r>
-            <a:r>
-              <a:rPr lang="en-US" sz="2400" b="1" dirty="0">
+              <a:t>(</a:t>
+            </a:r>
+            <a:r>
+              <a:rPr lang="en-US" sz="2400" b="1" dirty="0" err="1">
                 <a:solidFill>
                   <a:schemeClr val="bg2">
                     <a:lumMod val="25000"/>
@@ -6866,10 +6874,10 @@
                 <a:latin typeface="Arial" pitchFamily="34" charset="0"/>
                 <a:cs typeface="Arial" pitchFamily="34" charset="0"/>
               </a:rPr>
-              <a:t>(</a:t>
-            </a:r>
-            <a:r>
-              <a:rPr lang="en-US" sz="2400" b="1" dirty="0" err="1">
+              <a:t>ruta</a:t>
+            </a:r>
+            <a:r>
+              <a:rPr lang="en-US" sz="2400" b="1" dirty="0">
                 <a:solidFill>
                   <a:schemeClr val="bg2">
                     <a:lumMod val="25000"/>
@@ -6878,8 +6886,15 @@
                 <a:latin typeface="Arial" pitchFamily="34" charset="0"/>
                 <a:cs typeface="Arial" pitchFamily="34" charset="0"/>
               </a:rPr>
-              <a:t>ruta</a:t>
-            </a:r>
+              <a:t>):</a:t>
+            </a:r>
+          </a:p>
+          <a:p>
+            <a:pPr>
+              <a:lnSpc>
+                <a:spcPts val="3500"/>
+              </a:lnSpc>
+            </a:pPr>
             <a:r>
               <a:rPr lang="en-US" sz="2400" b="1" dirty="0">
                 <a:solidFill>
@@ -6890,10 +6905,20 @@
                 <a:latin typeface="Arial" pitchFamily="34" charset="0"/>
                 <a:cs typeface="Arial" pitchFamily="34" charset="0"/>
               </a:rPr>
-              <a:t>):</a:t>
-            </a:r>
-          </a:p>
-          <a:p>
+              <a:t>    </a:t>
+            </a:r>
+            <a:r>
+              <a:rPr lang="en-US" sz="2400" b="1" dirty="0">
+                <a:solidFill>
+                  <a:schemeClr val="accent6">
+                    <a:lumMod val="75000"/>
+                  </a:schemeClr>
+                </a:solidFill>
+                <a:latin typeface="Arial" pitchFamily="34" charset="0"/>
+                <a:cs typeface="Arial" pitchFamily="34" charset="0"/>
+              </a:rPr>
+              <a:t>file</a:t>
+            </a:r>
             <a:r>
               <a:rPr lang="en-US" sz="2400" b="1" dirty="0">
                 <a:solidFill>
@@ -6904,7 +6929,7 @@
                 <a:latin typeface="Arial" pitchFamily="34" charset="0"/>
                 <a:cs typeface="Arial" pitchFamily="34" charset="0"/>
               </a:rPr>
-              <a:t>    file = open(</a:t>
+              <a:t> = open(</a:t>
             </a:r>
             <a:r>
               <a:rPr lang="en-US" sz="2400" b="1" dirty="0" err="1">
@@ -6932,6 +6957,11 @@
             </a:r>
           </a:p>
           <a:p>
+            <a:pPr>
+              <a:lnSpc>
+                <a:spcPts val="3500"/>
+              </a:lnSpc>
+            </a:pPr>
             <a:r>
               <a:rPr lang="en-US" sz="2400" b="1" dirty="0">
                 <a:solidFill>
@@ -6946,6 +6976,11 @@
             </a:r>
           </a:p>
           <a:p>
+            <a:pPr>
+              <a:lnSpc>
+                <a:spcPts val="3500"/>
+              </a:lnSpc>
+            </a:pPr>
             <a:r>
               <a:rPr lang="en-US" sz="2400" b="1" dirty="0">
                 <a:solidFill>
@@ -6961,6 +6996,16 @@
             <a:r>
               <a:rPr lang="en-US" sz="2400" b="1" dirty="0" err="1">
                 <a:solidFill>
+                  <a:srgbClr val="00B050"/>
+                </a:solidFill>
+                <a:latin typeface="Arial" pitchFamily="34" charset="0"/>
+                <a:cs typeface="Arial" pitchFamily="34" charset="0"/>
+              </a:rPr>
+              <a:t>letra</a:t>
+            </a:r>
+            <a:r>
+              <a:rPr lang="en-US" sz="2400" b="1" dirty="0">
+                <a:solidFill>
                   <a:schemeClr val="bg2">
                     <a:lumMod val="25000"/>
                   </a:schemeClr>
@@ -6968,8 +7013,35 @@
                 <a:latin typeface="Arial" pitchFamily="34" charset="0"/>
                 <a:cs typeface="Arial" pitchFamily="34" charset="0"/>
               </a:rPr>
-              <a:t>letra</a:t>
-            </a:r>
+              <a:t> = </a:t>
+            </a:r>
+            <a:r>
+              <a:rPr lang="en-US" sz="2400" b="1" dirty="0" err="1">
+                <a:solidFill>
+                  <a:srgbClr val="FF0000"/>
+                </a:solidFill>
+                <a:latin typeface="Arial" pitchFamily="34" charset="0"/>
+                <a:cs typeface="Arial" pitchFamily="34" charset="0"/>
+              </a:rPr>
+              <a:t>file.read</a:t>
+            </a:r>
+            <a:r>
+              <a:rPr lang="en-US" sz="2400" b="1" dirty="0">
+                <a:solidFill>
+                  <a:srgbClr val="FF0000"/>
+                </a:solidFill>
+                <a:latin typeface="Arial" pitchFamily="34" charset="0"/>
+                <a:cs typeface="Arial" pitchFamily="34" charset="0"/>
+              </a:rPr>
+              <a:t>(1)</a:t>
+            </a:r>
+          </a:p>
+          <a:p>
+            <a:pPr>
+              <a:lnSpc>
+                <a:spcPts val="3500"/>
+              </a:lnSpc>
+            </a:pPr>
             <a:r>
               <a:rPr lang="en-US" sz="2400" b="1" dirty="0">
                 <a:solidFill>
@@ -6980,10 +7052,20 @@
                 <a:latin typeface="Arial" pitchFamily="34" charset="0"/>
                 <a:cs typeface="Arial" pitchFamily="34" charset="0"/>
               </a:rPr>
-              <a:t> = </a:t>
+              <a:t>        if not </a:t>
             </a:r>
             <a:r>
               <a:rPr lang="en-US" sz="2400" b="1" dirty="0" err="1">
+                <a:solidFill>
+                  <a:srgbClr val="00B050"/>
+                </a:solidFill>
+                <a:latin typeface="Arial" pitchFamily="34" charset="0"/>
+                <a:cs typeface="Arial" pitchFamily="34" charset="0"/>
+              </a:rPr>
+              <a:t>letra</a:t>
+            </a:r>
+            <a:r>
+              <a:rPr lang="en-US" sz="2400" b="1" dirty="0">
                 <a:solidFill>
                   <a:schemeClr val="bg2">
                     <a:lumMod val="25000"/>
@@ -6992,8 +7074,15 @@
                 <a:latin typeface="Arial" pitchFamily="34" charset="0"/>
                 <a:cs typeface="Arial" pitchFamily="34" charset="0"/>
               </a:rPr>
-              <a:t>file.read</a:t>
-            </a:r>
+              <a:t>:</a:t>
+            </a:r>
+          </a:p>
+          <a:p>
+            <a:pPr>
+              <a:lnSpc>
+                <a:spcPts val="3500"/>
+              </a:lnSpc>
+            </a:pPr>
             <a:r>
               <a:rPr lang="en-US" sz="2400" b="1" dirty="0">
                 <a:solidFill>
@@ -7004,12 +7093,10 @@
                 <a:latin typeface="Arial" pitchFamily="34" charset="0"/>
                 <a:cs typeface="Arial" pitchFamily="34" charset="0"/>
               </a:rPr>
-              <a:t>(1)</a:t>
-            </a:r>
-          </a:p>
-          <a:p>
-            <a:r>
-              <a:rPr lang="en-US" sz="2400" b="1" dirty="0">
+              <a:t>            print("Fin de </a:t>
+            </a:r>
+            <a:r>
+              <a:rPr lang="en-US" sz="2400" b="1" dirty="0" err="1">
                 <a:solidFill>
                   <a:schemeClr val="bg2">
                     <a:lumMod val="25000"/>
@@ -7018,10 +7105,10 @@
                 <a:latin typeface="Arial" pitchFamily="34" charset="0"/>
                 <a:cs typeface="Arial" pitchFamily="34" charset="0"/>
               </a:rPr>
-              <a:t>        if not </a:t>
-            </a:r>
-            <a:r>
-              <a:rPr lang="en-US" sz="2400" b="1" dirty="0" err="1">
+              <a:t>archivo</a:t>
+            </a:r>
+            <a:r>
+              <a:rPr lang="en-US" sz="2400" b="1" dirty="0">
                 <a:solidFill>
                   <a:schemeClr val="bg2">
                     <a:lumMod val="25000"/>
@@ -7030,8 +7117,15 @@
                 <a:latin typeface="Arial" pitchFamily="34" charset="0"/>
                 <a:cs typeface="Arial" pitchFamily="34" charset="0"/>
               </a:rPr>
-              <a:t>letra</a:t>
-            </a:r>
+              <a:t>")</a:t>
+            </a:r>
+          </a:p>
+          <a:p>
+            <a:pPr>
+              <a:lnSpc>
+                <a:spcPts val="3500"/>
+              </a:lnSpc>
+            </a:pPr>
             <a:r>
               <a:rPr lang="en-US" sz="2400" b="1" dirty="0">
                 <a:solidFill>
@@ -7042,10 +7136,15 @@
                 <a:latin typeface="Arial" pitchFamily="34" charset="0"/>
                 <a:cs typeface="Arial" pitchFamily="34" charset="0"/>
               </a:rPr>
-              <a:t>:</a:t>
-            </a:r>
-          </a:p>
-          <a:p>
+              <a:t>            break</a:t>
+            </a:r>
+          </a:p>
+          <a:p>
+            <a:pPr>
+              <a:lnSpc>
+                <a:spcPts val="3500"/>
+              </a:lnSpc>
+            </a:pPr>
             <a:r>
               <a:rPr lang="en-US" sz="2400" b="1" dirty="0">
                 <a:solidFill>
@@ -7056,12 +7155,10 @@
                 <a:latin typeface="Arial" pitchFamily="34" charset="0"/>
                 <a:cs typeface="Arial" pitchFamily="34" charset="0"/>
               </a:rPr>
-              <a:t>            print("End of file")</a:t>
-            </a:r>
-          </a:p>
-          <a:p>
-            <a:r>
-              <a:rPr lang="en-US" sz="2400" b="1" dirty="0">
+              <a:t>        print("</a:t>
+            </a:r>
+            <a:r>
+              <a:rPr lang="en-US" sz="2400" b="1" dirty="0" err="1">
                 <a:solidFill>
                   <a:schemeClr val="bg2">
                     <a:lumMod val="25000"/>
@@ -7070,10 +7167,8 @@
                 <a:latin typeface="Arial" pitchFamily="34" charset="0"/>
                 <a:cs typeface="Arial" pitchFamily="34" charset="0"/>
               </a:rPr>
-              <a:t>            break</a:t>
-            </a:r>
-          </a:p>
-          <a:p>
+              <a:t>Caracter</a:t>
+            </a:r>
             <a:r>
               <a:rPr lang="en-US" sz="2400" b="1" dirty="0">
                 <a:solidFill>
@@ -7084,7 +7179,7 @@
                 <a:latin typeface="Arial" pitchFamily="34" charset="0"/>
                 <a:cs typeface="Arial" pitchFamily="34" charset="0"/>
               </a:rPr>
-              <a:t>        print("</a:t>
+              <a:t> </a:t>
             </a:r>
             <a:r>
               <a:rPr lang="en-US" sz="2400" b="1" dirty="0" err="1">
@@ -7096,7 +7191,7 @@
                 <a:latin typeface="Arial" pitchFamily="34" charset="0"/>
                 <a:cs typeface="Arial" pitchFamily="34" charset="0"/>
               </a:rPr>
-              <a:t>Caracter</a:t>
+              <a:t>obtenido</a:t>
             </a:r>
             <a:r>
               <a:rPr lang="en-US" sz="2400" b="1" dirty="0">
@@ -7108,10 +7203,20 @@
                 <a:latin typeface="Arial" pitchFamily="34" charset="0"/>
                 <a:cs typeface="Arial" pitchFamily="34" charset="0"/>
               </a:rPr>
-              <a:t> </a:t>
+              <a:t>:", </a:t>
             </a:r>
             <a:r>
               <a:rPr lang="en-US" sz="2400" b="1" dirty="0" err="1">
+                <a:solidFill>
+                  <a:srgbClr val="00B050"/>
+                </a:solidFill>
+                <a:latin typeface="Arial" pitchFamily="34" charset="0"/>
+                <a:cs typeface="Arial" pitchFamily="34" charset="0"/>
+              </a:rPr>
+              <a:t>letra</a:t>
+            </a:r>
+            <a:r>
+              <a:rPr lang="en-US" sz="2400" b="1" dirty="0">
                 <a:solidFill>
                   <a:schemeClr val="bg2">
                     <a:lumMod val="25000"/>
@@ -7120,8 +7225,15 @@
                 <a:latin typeface="Arial" pitchFamily="34" charset="0"/>
                 <a:cs typeface="Arial" pitchFamily="34" charset="0"/>
               </a:rPr>
-              <a:t>obtenido</a:t>
-            </a:r>
+              <a:t>)</a:t>
+            </a:r>
+          </a:p>
+          <a:p>
+            <a:pPr>
+              <a:lnSpc>
+                <a:spcPts val="3500"/>
+              </a:lnSpc>
+            </a:pPr>
             <a:r>
               <a:rPr lang="en-US" sz="2400" b="1" dirty="0">
                 <a:solidFill>
@@ -7132,10 +7244,41 @@
                 <a:latin typeface="Arial" pitchFamily="34" charset="0"/>
                 <a:cs typeface="Arial" pitchFamily="34" charset="0"/>
               </a:rPr>
-              <a:t>:", </a:t>
+              <a:t>    </a:t>
             </a:r>
             <a:r>
               <a:rPr lang="en-US" sz="2400" b="1" dirty="0" err="1">
+                <a:solidFill>
+                  <a:schemeClr val="accent6">
+                    <a:lumMod val="75000"/>
+                  </a:schemeClr>
+                </a:solidFill>
+                <a:latin typeface="Arial" pitchFamily="34" charset="0"/>
+                <a:cs typeface="Arial" pitchFamily="34" charset="0"/>
+              </a:rPr>
+              <a:t>file.close</a:t>
+            </a:r>
+            <a:r>
+              <a:rPr lang="en-US" sz="2400" b="1" dirty="0">
+                <a:solidFill>
+                  <a:schemeClr val="accent6">
+                    <a:lumMod val="75000"/>
+                  </a:schemeClr>
+                </a:solidFill>
+                <a:latin typeface="Arial" pitchFamily="34" charset="0"/>
+                <a:cs typeface="Arial" pitchFamily="34" charset="0"/>
+              </a:rPr>
+              <a:t>()</a:t>
+            </a:r>
+          </a:p>
+          <a:p>
+            <a:pPr>
+              <a:lnSpc>
+                <a:spcPts val="3500"/>
+              </a:lnSpc>
+            </a:pPr>
+            <a:r>
+              <a:rPr lang="en-US" sz="2400" b="1" dirty="0">
                 <a:solidFill>
                   <a:schemeClr val="bg2">
                     <a:lumMod val="25000"/>
@@ -7144,7 +7287,24 @@
                 <a:latin typeface="Arial" pitchFamily="34" charset="0"/>
                 <a:cs typeface="Arial" pitchFamily="34" charset="0"/>
               </a:rPr>
-              <a:t>letra</a:t>
+              <a:t>    </a:t>
+            </a:r>
+          </a:p>
+          <a:p>
+            <a:pPr>
+              <a:lnSpc>
+                <a:spcPts val="3500"/>
+              </a:lnSpc>
+            </a:pPr>
+            <a:r>
+              <a:rPr lang="en-US" sz="2400" b="1" dirty="0" err="1">
+                <a:solidFill>
+                  <a:srgbClr val="0070C0"/>
+                </a:solidFill>
+                <a:latin typeface="Arial" pitchFamily="34" charset="0"/>
+                <a:cs typeface="Arial" pitchFamily="34" charset="0"/>
+              </a:rPr>
+              <a:t>leerCaracteres</a:t>
             </a:r>
             <a:r>
               <a:rPr lang="en-US" sz="2400" b="1" dirty="0">
@@ -7156,85 +7316,7 @@
                 <a:latin typeface="Arial" pitchFamily="34" charset="0"/>
                 <a:cs typeface="Arial" pitchFamily="34" charset="0"/>
               </a:rPr>
-              <a:t>)</a:t>
-            </a:r>
-          </a:p>
-          <a:p>
-            <a:r>
-              <a:rPr lang="en-US" sz="2400" b="1" dirty="0">
-                <a:solidFill>
-                  <a:schemeClr val="bg2">
-                    <a:lumMod val="25000"/>
-                  </a:schemeClr>
-                </a:solidFill>
-                <a:latin typeface="Arial" pitchFamily="34" charset="0"/>
-                <a:cs typeface="Arial" pitchFamily="34" charset="0"/>
-              </a:rPr>
-              <a:t>    </a:t>
-            </a:r>
-            <a:r>
-              <a:rPr lang="en-US" sz="2400" b="1" dirty="0" err="1">
-                <a:solidFill>
-                  <a:schemeClr val="bg2">
-                    <a:lumMod val="25000"/>
-                  </a:schemeClr>
-                </a:solidFill>
-                <a:latin typeface="Arial" pitchFamily="34" charset="0"/>
-                <a:cs typeface="Arial" pitchFamily="34" charset="0"/>
-              </a:rPr>
-              <a:t>file.close</a:t>
-            </a:r>
-            <a:r>
-              <a:rPr lang="en-US" sz="2400" b="1" dirty="0">
-                <a:solidFill>
-                  <a:schemeClr val="bg2">
-                    <a:lumMod val="25000"/>
-                  </a:schemeClr>
-                </a:solidFill>
-                <a:latin typeface="Arial" pitchFamily="34" charset="0"/>
-                <a:cs typeface="Arial" pitchFamily="34" charset="0"/>
-              </a:rPr>
-              <a:t>()</a:t>
-            </a:r>
-          </a:p>
-          <a:p>
-            <a:r>
-              <a:rPr lang="en-US" sz="2400" b="1" dirty="0">
-                <a:solidFill>
-                  <a:schemeClr val="bg2">
-                    <a:lumMod val="25000"/>
-                  </a:schemeClr>
-                </a:solidFill>
-                <a:latin typeface="Arial" pitchFamily="34" charset="0"/>
-                <a:cs typeface="Arial" pitchFamily="34" charset="0"/>
-              </a:rPr>
-              <a:t>    </a:t>
-            </a:r>
-          </a:p>
-          <a:p>
-            <a:r>
-              <a:rPr lang="en-US" sz="2400" b="1" dirty="0" err="1">
-                <a:solidFill>
-                  <a:schemeClr val="bg2">
-                    <a:lumMod val="25000"/>
-                  </a:schemeClr>
-                </a:solidFill>
-                <a:latin typeface="Arial" pitchFamily="34" charset="0"/>
-                <a:cs typeface="Arial" pitchFamily="34" charset="0"/>
-              </a:rPr>
-              <a:t>leerCaracteres</a:t>
-            </a:r>
-            <a:r>
-              <a:rPr lang="en-US" sz="2400" b="1" dirty="0">
-                <a:solidFill>
-                  <a:schemeClr val="bg2">
-                    <a:lumMod val="25000"/>
-                  </a:schemeClr>
-                </a:solidFill>
-                <a:latin typeface="Arial" pitchFamily="34" charset="0"/>
-                <a:cs typeface="Arial" pitchFamily="34" charset="0"/>
-              </a:rPr>
-              <a:t>("prueba2.txt")</a:t>
+              <a:t>("prueba.txt")</a:t>
             </a:r>
             <a:endParaRPr lang="es-ES" sz="2400" b="1" dirty="0">
               <a:solidFill>
@@ -7258,7 +7340,7 @@
         </p:nvSpPr>
         <p:spPr bwMode="auto">
           <a:xfrm>
-            <a:off x="395536" y="188640"/>
+            <a:off x="323528" y="49362"/>
             <a:ext cx="8280400" cy="1143000"/>
           </a:xfrm>
           <a:prstGeom prst="rect">
@@ -7574,7 +7656,7 @@
         </p:nvSpPr>
         <p:spPr bwMode="auto">
           <a:xfrm>
-            <a:off x="1259632" y="1998604"/>
+            <a:off x="3059832" y="2299358"/>
             <a:ext cx="6912768" cy="659477"/>
           </a:xfrm>
           <a:prstGeom prst="rect">
@@ -8206,7 +8288,7 @@
         </p:blipFill>
         <p:spPr>
           <a:xfrm>
-            <a:off x="1331640" y="2290631"/>
+            <a:off x="1139956" y="2204864"/>
             <a:ext cx="6864087" cy="1704022"/>
           </a:xfrm>
           <a:prstGeom prst="rect">
@@ -8371,8 +8453,8 @@
         </p:blipFill>
         <p:spPr>
           <a:xfrm>
-            <a:off x="1403648" y="2496127"/>
-            <a:ext cx="6762874" cy="936104"/>
+            <a:off x="1043608" y="2380320"/>
+            <a:ext cx="7576178" cy="1048680"/>
           </a:xfrm>
           <a:prstGeom prst="rect">
             <a:avLst/>
@@ -8419,7 +8501,7 @@
         </p:nvSpPr>
         <p:spPr bwMode="auto">
           <a:xfrm>
-            <a:off x="1187624" y="1593374"/>
+            <a:off x="1040749" y="1593374"/>
             <a:ext cx="7060456" cy="1553054"/>
           </a:xfrm>
           <a:prstGeom prst="rect">
@@ -8575,17 +8657,27 @@
                   </a:schemeClr>
                 </a:solidFill>
               </a:rPr>
-              <a:t>Escribir el programa para </a:t>
-            </a:r>
-            <a:r>
-              <a:rPr lang="es-ES" sz="2200" b="1" dirty="0">
+              <a:t>Escribe un programa que </a:t>
+            </a:r>
+            <a:r>
+              <a:rPr lang="es-ES_tradnl" sz="2200" b="1" dirty="0">
                 <a:solidFill>
                   <a:schemeClr val="accent6">
                     <a:lumMod val="75000"/>
                   </a:schemeClr>
                 </a:solidFill>
               </a:rPr>
-              <a:t>escribir un contenido en un archivo de texto</a:t>
+              <a:t>escriba u</a:t>
+            </a:r>
+            <a:r>
+              <a:rPr lang="es-ES" sz="2200" b="1" dirty="0">
+                <a:solidFill>
+                  <a:schemeClr val="accent6">
+                    <a:lumMod val="75000"/>
+                  </a:schemeClr>
+                </a:solidFill>
+              </a:rPr>
+              <a:t>n contenido en un archivo de texto</a:t>
             </a:r>
             <a:r>
               <a:rPr lang="es-ES" sz="2200" dirty="0">
@@ -8605,7 +8697,7 @@
                   </a:schemeClr>
                 </a:solidFill>
               </a:rPr>
-              <a:t>y posteriormente mostrar su contenido en pantalla.</a:t>
+              <a:t>y posteriormente muestre su contenido en pantalla.</a:t>
             </a:r>
             <a:r>
               <a:rPr lang="es-ES" sz="2200" dirty="0">
@@ -8637,7 +8729,7 @@
         </p:nvSpPr>
         <p:spPr bwMode="auto">
           <a:xfrm>
-            <a:off x="686427" y="116632"/>
+            <a:off x="539552" y="116632"/>
             <a:ext cx="7772400" cy="1544638"/>
           </a:xfrm>
           <a:prstGeom prst="rect">
@@ -8724,7 +8816,7 @@
         </p:blipFill>
         <p:spPr bwMode="auto">
           <a:xfrm>
-            <a:off x="2843808" y="3851099"/>
+            <a:off x="2553544" y="3573016"/>
             <a:ext cx="3744416" cy="2481240"/>
           </a:xfrm>
           <a:prstGeom prst="rect">
@@ -9283,7 +9375,7 @@
         <p:spPr bwMode="auto">
           <a:xfrm>
             <a:off x="1077913" y="1484313"/>
-            <a:ext cx="7086600" cy="1685846"/>
+            <a:ext cx="7086600" cy="2239844"/>
           </a:xfrm>
           <a:prstGeom prst="rect">
             <a:avLst/>
@@ -9438,7 +9530,25 @@
                   </a:schemeClr>
                 </a:solidFill>
               </a:rPr>
-              <a:t>Escribir un programa que nos permita </a:t>
+              <a:t>Escribir la función </a:t>
+            </a:r>
+            <a:r>
+              <a:rPr lang="es-ES_tradnl" sz="2400" b="1" dirty="0">
+                <a:solidFill>
+                  <a:srgbClr val="FF0000"/>
+                </a:solidFill>
+              </a:rPr>
+              <a:t>escribe5frase</a:t>
+            </a:r>
+            <a:r>
+              <a:rPr lang="es-ES_tradnl" sz="2400" dirty="0">
+                <a:solidFill>
+                  <a:schemeClr val="bg2">
+                    <a:lumMod val="25000"/>
+                  </a:schemeClr>
+                </a:solidFill>
+              </a:rPr>
+              <a:t>s que recibe el nombre del archivo de texto y </a:t>
             </a:r>
             <a:r>
               <a:rPr lang="es-MX" sz="2400" b="1" dirty="0">
@@ -9448,7 +9558,7 @@
                   </a:schemeClr>
                 </a:solidFill>
               </a:rPr>
-              <a:t>escribir cinco frases dada por el usuario dentro de un archivo de texto.</a:t>
+              <a:t>escribe cinco frases dada por el usuario dentro de un archivo de texto.</a:t>
             </a:r>
             <a:endParaRPr lang="es-ES_tradnl" sz="2800" dirty="0"/>
           </a:p>
@@ -9551,7 +9661,7 @@
         </p:blipFill>
         <p:spPr bwMode="auto">
           <a:xfrm>
-            <a:off x="2749005" y="3573016"/>
+            <a:off x="2915816" y="3851218"/>
             <a:ext cx="3744416" cy="2481240"/>
           </a:xfrm>
           <a:prstGeom prst="rect">
@@ -9823,8 +9933,8 @@
         </p:nvSpPr>
         <p:spPr>
           <a:xfrm>
-            <a:off x="1979712" y="1351508"/>
-            <a:ext cx="6696224" cy="3785652"/>
+            <a:off x="899592" y="1340768"/>
+            <a:ext cx="8424936" cy="5089983"/>
           </a:xfrm>
           <a:prstGeom prst="rect">
             <a:avLst/>
@@ -9836,6 +9946,71 @@
           </a:bodyPr>
           <a:lstStyle/>
           <a:p>
+            <a:pPr>
+              <a:lnSpc>
+                <a:spcPts val="3500"/>
+              </a:lnSpc>
+            </a:pPr>
+            <a:r>
+              <a:rPr lang="en-US" sz="2400" b="1" dirty="0">
+                <a:solidFill>
+                  <a:schemeClr val="bg2">
+                    <a:lumMod val="25000"/>
+                  </a:schemeClr>
+                </a:solidFill>
+                <a:latin typeface="Arial" pitchFamily="34" charset="0"/>
+                <a:cs typeface="Arial" pitchFamily="34" charset="0"/>
+              </a:rPr>
+              <a:t>def </a:t>
+            </a:r>
+            <a:r>
+              <a:rPr lang="en-US" sz="2400" b="1" dirty="0">
+                <a:solidFill>
+                  <a:srgbClr val="0070C0"/>
+                </a:solidFill>
+                <a:latin typeface="Arial" pitchFamily="34" charset="0"/>
+                <a:cs typeface="Arial" pitchFamily="34" charset="0"/>
+              </a:rPr>
+              <a:t>escribe5frases</a:t>
+            </a:r>
+            <a:r>
+              <a:rPr lang="en-US" sz="2400" b="1" dirty="0">
+                <a:solidFill>
+                  <a:schemeClr val="bg2">
+                    <a:lumMod val="25000"/>
+                  </a:schemeClr>
+                </a:solidFill>
+                <a:latin typeface="Arial" pitchFamily="34" charset="0"/>
+                <a:cs typeface="Arial" pitchFamily="34" charset="0"/>
+              </a:rPr>
+              <a:t>(</a:t>
+            </a:r>
+            <a:r>
+              <a:rPr lang="en-US" sz="2400" b="1" dirty="0" err="1">
+                <a:solidFill>
+                  <a:schemeClr val="bg2">
+                    <a:lumMod val="25000"/>
+                  </a:schemeClr>
+                </a:solidFill>
+                <a:latin typeface="Arial" pitchFamily="34" charset="0"/>
+                <a:cs typeface="Arial" pitchFamily="34" charset="0"/>
+              </a:rPr>
+              <a:t>ruta</a:t>
+            </a:r>
+            <a:r>
+              <a:rPr lang="en-US" sz="2400" b="1" dirty="0">
+                <a:solidFill>
+                  <a:schemeClr val="bg2">
+                    <a:lumMod val="25000"/>
+                  </a:schemeClr>
+                </a:solidFill>
+                <a:latin typeface="Arial" pitchFamily="34" charset="0"/>
+                <a:cs typeface="Arial" pitchFamily="34" charset="0"/>
+              </a:rPr>
+              <a:t>):</a:t>
+            </a:r>
+          </a:p>
+          <a:p>
             <a:pPr algn="just"/>
             <a:r>
               <a:rPr lang="es-MX" sz="2400" b="1" dirty="0">
@@ -9845,15 +10020,8 @@
                   </a:schemeClr>
                 </a:solidFill>
               </a:rPr>
-              <a:t>ruta</a:t>
-            </a:r>
-            <a:r>
-              <a:rPr lang="es-MX" sz="2400" dirty="0"/>
-              <a:t>="nombreArchivo.txt"</a:t>
-            </a:r>
-          </a:p>
-          <a:p>
-            <a:pPr algn="just"/>
+              <a:t>	</a:t>
+            </a:r>
             <a:r>
               <a:rPr lang="es-MX" sz="2400" b="1" dirty="0">
                 <a:solidFill>
@@ -9917,11 +10085,15 @@
             <a:pPr algn="just"/>
             <a:r>
               <a:rPr lang="es-MX" sz="2400" dirty="0"/>
-              <a:t>i = 1</a:t>
+              <a:t>	i = 1</a:t>
             </a:r>
           </a:p>
           <a:p>
             <a:pPr algn="just"/>
+            <a:r>
+              <a:rPr lang="es-MX" sz="2400" dirty="0"/>
+              <a:t>	</a:t>
+            </a:r>
             <a:r>
               <a:rPr lang="es-MX" sz="2400" dirty="0" err="1"/>
               <a:t>while</a:t>
@@ -9935,7 +10107,7 @@
             <a:pPr algn="just"/>
             <a:r>
               <a:rPr lang="es-MX" sz="2400" dirty="0"/>
-              <a:t>    frase = </a:t>
+              <a:t>    		frase = </a:t>
             </a:r>
             <a:r>
               <a:rPr lang="es-MX" sz="2400" dirty="0" err="1"/>
@@ -9950,7 +10122,7 @@
             <a:pPr algn="just"/>
             <a:r>
               <a:rPr lang="es-MX" sz="2400" dirty="0"/>
-              <a:t>    </a:t>
+              <a:t>    		</a:t>
             </a:r>
             <a:r>
               <a:rPr lang="es-MX" sz="2400" b="1" dirty="0" err="1">
@@ -9969,11 +10141,19 @@
             <a:pPr algn="just"/>
             <a:r>
               <a:rPr lang="es-MX" sz="2400" dirty="0"/>
-              <a:t>    i = i+1</a:t>
+              <a:t>    		i = i+1</a:t>
             </a:r>
           </a:p>
           <a:p>
             <a:pPr algn="just"/>
+            <a:r>
+              <a:rPr lang="es-MX" sz="2400" b="1" dirty="0">
+                <a:solidFill>
+                  <a:srgbClr val="FF0000"/>
+                </a:solidFill>
+              </a:rPr>
+              <a:t>	</a:t>
+            </a:r>
             <a:r>
               <a:rPr lang="es-MX" sz="2400" b="1" dirty="0" err="1">
                 <a:solidFill>
@@ -9990,6 +10170,10 @@
           <a:p>
             <a:pPr algn="just"/>
             <a:r>
+              <a:rPr lang="es-MX" sz="2400" dirty="0"/>
+              <a:t>	</a:t>
+            </a:r>
+            <a:r>
               <a:rPr lang="es-MX" sz="2400" dirty="0" err="1"/>
               <a:t>print</a:t>
             </a:r>
@@ -10013,6 +10197,14 @@
           <a:p>
             <a:pPr algn="just"/>
             <a:r>
+              <a:rPr lang="es-MX" sz="2400" b="1" dirty="0">
+                <a:solidFill>
+                  <a:srgbClr val="FF0000"/>
+                </a:solidFill>
+              </a:rPr>
+              <a:t>	</a:t>
+            </a:r>
+            <a:r>
               <a:rPr lang="es-MX" sz="2400" b="1" dirty="0" err="1">
                 <a:solidFill>
                   <a:srgbClr val="FF0000"/>
@@ -10024,6 +10216,171 @@
               <a:rPr lang="es-MX" sz="2400" dirty="0"/>
               <a:t>()</a:t>
             </a:r>
+          </a:p>
+          <a:p>
+            <a:pPr algn="just"/>
+            <a:endParaRPr lang="es-MX" sz="2400" dirty="0"/>
+          </a:p>
+          <a:p>
+            <a:pPr>
+              <a:lnSpc>
+                <a:spcPts val="3500"/>
+              </a:lnSpc>
+            </a:pPr>
+            <a:r>
+              <a:rPr lang="en-US" sz="2400" b="1" dirty="0" err="1">
+                <a:solidFill>
+                  <a:schemeClr val="bg2">
+                    <a:lumMod val="25000"/>
+                  </a:schemeClr>
+                </a:solidFill>
+                <a:latin typeface="Arial" pitchFamily="34" charset="0"/>
+                <a:cs typeface="Arial" pitchFamily="34" charset="0"/>
+              </a:rPr>
+              <a:t>ruta</a:t>
+            </a:r>
+            <a:r>
+              <a:rPr lang="en-US" sz="2400" b="1" dirty="0">
+                <a:solidFill>
+                  <a:schemeClr val="bg2">
+                    <a:lumMod val="25000"/>
+                  </a:schemeClr>
+                </a:solidFill>
+                <a:latin typeface="Arial" pitchFamily="34" charset="0"/>
+                <a:cs typeface="Arial" pitchFamily="34" charset="0"/>
+              </a:rPr>
+              <a:t> = str(input(</a:t>
+            </a:r>
+            <a:r>
+              <a:rPr lang="es-MX" sz="2400" dirty="0"/>
+              <a:t>"</a:t>
+            </a:r>
+            <a:r>
+              <a:rPr lang="en-US" sz="2400" b="1" dirty="0">
+                <a:solidFill>
+                  <a:schemeClr val="bg2">
+                    <a:lumMod val="25000"/>
+                  </a:schemeClr>
+                </a:solidFill>
+                <a:latin typeface="Arial" pitchFamily="34" charset="0"/>
+                <a:cs typeface="Arial" pitchFamily="34" charset="0"/>
+              </a:rPr>
+              <a:t>Introduce el </a:t>
+            </a:r>
+            <a:r>
+              <a:rPr lang="en-US" sz="2400" b="1" dirty="0" err="1">
+                <a:solidFill>
+                  <a:schemeClr val="bg2">
+                    <a:lumMod val="25000"/>
+                  </a:schemeClr>
+                </a:solidFill>
+                <a:latin typeface="Arial" pitchFamily="34" charset="0"/>
+                <a:cs typeface="Arial" pitchFamily="34" charset="0"/>
+              </a:rPr>
+              <a:t>nombre</a:t>
+            </a:r>
+            <a:r>
+              <a:rPr lang="en-US" sz="2400" b="1" dirty="0">
+                <a:solidFill>
+                  <a:schemeClr val="bg2">
+                    <a:lumMod val="25000"/>
+                  </a:schemeClr>
+                </a:solidFill>
+                <a:latin typeface="Arial" pitchFamily="34" charset="0"/>
+                <a:cs typeface="Arial" pitchFamily="34" charset="0"/>
+              </a:rPr>
+              <a:t> del </a:t>
+            </a:r>
+            <a:r>
+              <a:rPr lang="en-US" sz="2400" b="1" dirty="0" err="1">
+                <a:solidFill>
+                  <a:schemeClr val="bg2">
+                    <a:lumMod val="25000"/>
+                  </a:schemeClr>
+                </a:solidFill>
+                <a:latin typeface="Arial" pitchFamily="34" charset="0"/>
+                <a:cs typeface="Arial" pitchFamily="34" charset="0"/>
+              </a:rPr>
+              <a:t>archivo</a:t>
+            </a:r>
+            <a:r>
+              <a:rPr lang="es-MX" sz="2400" dirty="0"/>
+              <a:t>"</a:t>
+            </a:r>
+            <a:r>
+              <a:rPr lang="en-US" sz="2400" b="1" dirty="0">
+                <a:solidFill>
+                  <a:schemeClr val="bg2">
+                    <a:lumMod val="25000"/>
+                  </a:schemeClr>
+                </a:solidFill>
+                <a:latin typeface="Arial" pitchFamily="34" charset="0"/>
+                <a:cs typeface="Arial" pitchFamily="34" charset="0"/>
+              </a:rPr>
+              <a:t>))</a:t>
+            </a:r>
+          </a:p>
+          <a:p>
+            <a:pPr>
+              <a:lnSpc>
+                <a:spcPts val="3500"/>
+              </a:lnSpc>
+            </a:pPr>
+            <a:r>
+              <a:rPr lang="en-US" sz="2400" b="1" dirty="0">
+                <a:solidFill>
+                  <a:srgbClr val="0070C0"/>
+                </a:solidFill>
+                <a:latin typeface="Arial" pitchFamily="34" charset="0"/>
+                <a:cs typeface="Arial" pitchFamily="34" charset="0"/>
+              </a:rPr>
+              <a:t>escribe5frases</a:t>
+            </a:r>
+            <a:r>
+              <a:rPr lang="en-US" sz="2400" b="1" dirty="0">
+                <a:solidFill>
+                  <a:schemeClr val="bg2">
+                    <a:lumMod val="25000"/>
+                  </a:schemeClr>
+                </a:solidFill>
+                <a:latin typeface="Arial" pitchFamily="34" charset="0"/>
+                <a:cs typeface="Arial" pitchFamily="34" charset="0"/>
+              </a:rPr>
+              <a:t>(</a:t>
+            </a:r>
+            <a:r>
+              <a:rPr lang="en-US" sz="2400" b="1" dirty="0" err="1">
+                <a:solidFill>
+                  <a:schemeClr val="bg2">
+                    <a:lumMod val="25000"/>
+                  </a:schemeClr>
+                </a:solidFill>
+                <a:latin typeface="Arial" pitchFamily="34" charset="0"/>
+                <a:cs typeface="Arial" pitchFamily="34" charset="0"/>
+              </a:rPr>
+              <a:t>ruta</a:t>
+            </a:r>
+            <a:r>
+              <a:rPr lang="en-US" sz="2400" b="1" dirty="0">
+                <a:solidFill>
+                  <a:schemeClr val="bg2">
+                    <a:lumMod val="25000"/>
+                  </a:schemeClr>
+                </a:solidFill>
+                <a:latin typeface="Arial" pitchFamily="34" charset="0"/>
+                <a:cs typeface="Arial" pitchFamily="34" charset="0"/>
+              </a:rPr>
+              <a:t>)</a:t>
+            </a:r>
+            <a:endParaRPr lang="es-ES" sz="2400" b="1" dirty="0">
+              <a:solidFill>
+                <a:schemeClr val="bg2">
+                  <a:lumMod val="25000"/>
+                </a:schemeClr>
+              </a:solidFill>
+              <a:latin typeface="Arial" pitchFamily="34" charset="0"/>
+              <a:cs typeface="Arial" pitchFamily="34" charset="0"/>
+            </a:endParaRPr>
           </a:p>
         </p:txBody>
       </p:sp>
@@ -10055,7 +10412,7 @@
         </p:blipFill>
         <p:spPr>
           <a:xfrm>
-            <a:off x="6876256" y="4581128"/>
+            <a:off x="6595103" y="199676"/>
             <a:ext cx="2153361" cy="1998442"/>
           </a:xfrm>
           <a:prstGeom prst="rect">
@@ -10802,7 +11159,7 @@
         <p:spPr bwMode="auto">
           <a:xfrm>
             <a:off x="561941" y="1506554"/>
-            <a:ext cx="7616434" cy="1691553"/>
+            <a:ext cx="7616434" cy="2199385"/>
           </a:xfrm>
           <a:prstGeom prst="rect">
             <a:avLst/>
@@ -10955,7 +11312,19 @@
             </a:r>
             <a:r>
               <a:rPr lang="es-ES_tradnl" sz="2200" dirty="0"/>
-              <a:t>Escribir el programa para que </a:t>
+              <a:t>Escribir la función </a:t>
+            </a:r>
+            <a:r>
+              <a:rPr lang="es-ES_tradnl" sz="2200" b="1" dirty="0" err="1">
+                <a:solidFill>
+                  <a:srgbClr val="FF0000"/>
+                </a:solidFill>
+              </a:rPr>
+              <a:t>escribeFrases</a:t>
+            </a:r>
+            <a:r>
+              <a:rPr lang="es-ES_tradnl" sz="2200" dirty="0"/>
+              <a:t>, que recibe el nombre del archivo de texto y </a:t>
             </a:r>
             <a:r>
               <a:rPr lang="es-ES_tradnl" sz="2200" b="1" dirty="0">
@@ -10965,7 +11334,7 @@
                   </a:schemeClr>
                 </a:solidFill>
               </a:rPr>
-              <a:t>pida el nombre del archivo y pida frases hasta que el usuario diga que no </a:t>
+              <a:t>pide frases hasta hasta que el usuario diga que no </a:t>
             </a:r>
             <a:r>
               <a:rPr lang="es-ES_tradnl" sz="2200" dirty="0"/>
@@ -11083,7 +11452,7 @@
         </p:blipFill>
         <p:spPr bwMode="auto">
           <a:xfrm>
-            <a:off x="2749005" y="3573016"/>
+            <a:off x="2843808" y="3789040"/>
             <a:ext cx="3744416" cy="2481240"/>
           </a:xfrm>
           <a:prstGeom prst="rect">
@@ -11278,7 +11647,7 @@
         </p:nvSpPr>
         <p:spPr bwMode="auto">
           <a:xfrm>
-            <a:off x="395536" y="182966"/>
+            <a:off x="431800" y="0"/>
             <a:ext cx="8280400" cy="936104"/>
           </a:xfrm>
           <a:prstGeom prst="rect">
@@ -11391,8 +11760,8 @@
         </p:nvSpPr>
         <p:spPr>
           <a:xfrm>
-            <a:off x="395536" y="1143142"/>
-            <a:ext cx="8624303" cy="4661276"/>
+            <a:off x="757342" y="722474"/>
+            <a:ext cx="8244408" cy="5882764"/>
           </a:xfrm>
           <a:prstGeom prst="rect">
             <a:avLst/>
@@ -11406,7 +11775,67 @@
           <a:p>
             <a:pPr>
               <a:lnSpc>
-                <a:spcPct val="150000"/>
+                <a:spcPts val="3500"/>
+              </a:lnSpc>
+            </a:pPr>
+            <a:r>
+              <a:rPr lang="en-US" sz="2000" b="1" dirty="0">
+                <a:solidFill>
+                  <a:schemeClr val="bg2">
+                    <a:lumMod val="25000"/>
+                  </a:schemeClr>
+                </a:solidFill>
+                <a:cs typeface="Arial" pitchFamily="34" charset="0"/>
+              </a:rPr>
+              <a:t>def </a:t>
+            </a:r>
+            <a:r>
+              <a:rPr lang="en-US" sz="2000" b="1" dirty="0" err="1">
+                <a:solidFill>
+                  <a:srgbClr val="0070C0"/>
+                </a:solidFill>
+                <a:cs typeface="Arial" pitchFamily="34" charset="0"/>
+              </a:rPr>
+              <a:t>escribeFrases</a:t>
+            </a:r>
+            <a:r>
+              <a:rPr lang="en-US" sz="2000" b="1" dirty="0">
+                <a:solidFill>
+                  <a:schemeClr val="bg2">
+                    <a:lumMod val="25000"/>
+                  </a:schemeClr>
+                </a:solidFill>
+                <a:cs typeface="Arial" pitchFamily="34" charset="0"/>
+              </a:rPr>
+              <a:t>(</a:t>
+            </a:r>
+            <a:r>
+              <a:rPr lang="en-US" sz="2000" b="1" dirty="0" err="1">
+                <a:solidFill>
+                  <a:schemeClr val="bg2">
+                    <a:lumMod val="25000"/>
+                  </a:schemeClr>
+                </a:solidFill>
+                <a:cs typeface="Arial" pitchFamily="34" charset="0"/>
+              </a:rPr>
+              <a:t>ruta</a:t>
+            </a:r>
+            <a:r>
+              <a:rPr lang="en-US" sz="2000" b="1" dirty="0">
+                <a:solidFill>
+                  <a:schemeClr val="bg2">
+                    <a:lumMod val="25000"/>
+                  </a:schemeClr>
+                </a:solidFill>
+                <a:cs typeface="Arial" pitchFamily="34" charset="0"/>
+              </a:rPr>
+              <a:t>):</a:t>
+            </a:r>
+          </a:p>
+          <a:p>
+            <a:pPr algn="just">
+              <a:lnSpc>
+                <a:spcPts val="3500"/>
               </a:lnSpc>
             </a:pPr>
             <a:r>
@@ -11417,32 +11846,21 @@
                   </a:schemeClr>
                 </a:solidFill>
               </a:rPr>
-              <a:t>ruta</a:t>
-            </a:r>
-            <a:r>
-              <a:rPr lang="es-MX" sz="2000" b="1" dirty="0"/>
+              <a:t>	</a:t>
+            </a:r>
+            <a:r>
+              <a:rPr lang="es-MX" sz="2000" b="1" dirty="0">
+                <a:solidFill>
+                  <a:srgbClr val="FF0000"/>
+                </a:solidFill>
+              </a:rPr>
+              <a:t>archivo</a:t>
+            </a:r>
+            <a:r>
+              <a:rPr lang="es-MX" sz="2000" dirty="0"/>
               <a:t>=</a:t>
             </a:r>
             <a:r>
-              <a:rPr lang="es-MX" sz="2000" b="1" dirty="0" err="1"/>
-              <a:t>str</a:t>
-            </a:r>
-            <a:r>
-              <a:rPr lang="es-MX" sz="2000" b="1" dirty="0"/>
-              <a:t>(input("Introduce el nombre del archivo: "))</a:t>
-            </a:r>
-          </a:p>
-          <a:p>
-            <a:pPr>
-              <a:lnSpc>
-                <a:spcPct val="150000"/>
-              </a:lnSpc>
-            </a:pPr>
-            <a:r>
-              <a:rPr lang="es-MX" sz="2000" b="1" dirty="0"/>
-              <a:t>archivo=</a:t>
-            </a:r>
-            <a:r>
               <a:rPr lang="es-MX" sz="2000" b="1" dirty="0">
                 <a:solidFill>
                   <a:srgbClr val="FF0000"/>
@@ -11451,7 +11869,7 @@
               <a:t>open</a:t>
             </a:r>
             <a:r>
-              <a:rPr lang="es-MX" sz="2000" b="1" dirty="0"/>
+              <a:rPr lang="es-MX" sz="2000" dirty="0"/>
               <a:t>(</a:t>
             </a:r>
             <a:r>
@@ -11465,7 +11883,7 @@
               <a:t>ruta</a:t>
             </a:r>
             <a:r>
-              <a:rPr lang="es-MX" sz="2000" b="1" dirty="0" err="1"/>
+              <a:rPr lang="es-MX" sz="2000" dirty="0" err="1"/>
               <a:t>,"</a:t>
             </a:r>
             <a:r>
@@ -11485,17 +11903,21 @@
               <a:t>+</a:t>
             </a:r>
             <a:r>
-              <a:rPr lang="es-MX" sz="2000" b="1" dirty="0"/>
+              <a:rPr lang="es-MX" sz="2000" dirty="0"/>
               <a:t>")</a:t>
             </a:r>
           </a:p>
           <a:p>
             <a:pPr>
               <a:lnSpc>
-                <a:spcPct val="150000"/>
+                <a:spcPts val="3500"/>
               </a:lnSpc>
             </a:pPr>
             <a:r>
+              <a:rPr lang="es-MX" sz="2000" dirty="0"/>
+              <a:t>	</a:t>
+            </a:r>
+            <a:r>
               <a:rPr lang="es-MX" sz="2000" b="1" dirty="0" err="1"/>
               <a:t>resp</a:t>
             </a:r>
@@ -11507,10 +11929,14 @@
           <a:p>
             <a:pPr>
               <a:lnSpc>
-                <a:spcPct val="150000"/>
+                <a:spcPts val="3500"/>
               </a:lnSpc>
             </a:pPr>
             <a:r>
+              <a:rPr lang="es-MX" sz="2000" b="1" dirty="0"/>
+              <a:t>	</a:t>
+            </a:r>
+            <a:r>
               <a:rPr lang="es-MX" sz="2000" b="1" dirty="0" err="1"/>
               <a:t>while</a:t>
             </a:r>
@@ -11530,12 +11956,12 @@
           <a:p>
             <a:pPr>
               <a:lnSpc>
-                <a:spcPct val="150000"/>
+                <a:spcPts val="3500"/>
               </a:lnSpc>
             </a:pPr>
             <a:r>
               <a:rPr lang="es-MX" sz="2000" b="1" dirty="0"/>
-              <a:t>    </a:t>
+              <a:t>    		</a:t>
             </a:r>
             <a:r>
               <a:rPr lang="es-MX" sz="2000" b="1" dirty="0" err="1"/>
@@ -11557,12 +11983,12 @@
           <a:p>
             <a:pPr>
               <a:lnSpc>
-                <a:spcPct val="150000"/>
+                <a:spcPts val="3500"/>
               </a:lnSpc>
             </a:pPr>
             <a:r>
               <a:rPr lang="es-MX" sz="2000" b="1" dirty="0"/>
-              <a:t>    </a:t>
+              <a:t>    		</a:t>
             </a:r>
             <a:r>
               <a:rPr lang="es-MX" sz="2000" b="1" dirty="0" err="1">
@@ -11588,12 +12014,12 @@
           <a:p>
             <a:pPr>
               <a:lnSpc>
-                <a:spcPct val="150000"/>
+                <a:spcPts val="3500"/>
               </a:lnSpc>
             </a:pPr>
             <a:r>
               <a:rPr lang="es-MX" sz="2000" b="1" dirty="0"/>
-              <a:t>    </a:t>
+              <a:t>    		</a:t>
             </a:r>
             <a:r>
               <a:rPr lang="es-MX" sz="2000" b="1" dirty="0" err="1"/>
@@ -11609,16 +12035,24 @@
             </a:r>
             <a:r>
               <a:rPr lang="es-MX" sz="2000" b="1" dirty="0"/>
-              <a:t>(input("¿Quieres introducir una línea de texto para el archivo s/n?"))</a:t>
+              <a:t>(input("¿Quieres introducir otro texto s/n?"))</a:t>
             </a:r>
           </a:p>
           <a:p>
             <a:pPr>
               <a:lnSpc>
-                <a:spcPct val="150000"/>
+                <a:spcPts val="3500"/>
               </a:lnSpc>
             </a:pPr>
             <a:r>
+              <a:rPr lang="es-MX" sz="2000" b="1" dirty="0">
+                <a:solidFill>
+                  <a:srgbClr val="FF0000"/>
+                </a:solidFill>
+              </a:rPr>
+              <a:t>	</a:t>
+            </a:r>
+            <a:r>
               <a:rPr lang="es-MX" sz="2000" b="1" dirty="0" err="1">
                 <a:solidFill>
                   <a:srgbClr val="FF0000"/>
@@ -11638,10 +12072,14 @@
           <a:p>
             <a:pPr>
               <a:lnSpc>
-                <a:spcPct val="150000"/>
+                <a:spcPts val="3500"/>
               </a:lnSpc>
             </a:pPr>
             <a:r>
+              <a:rPr lang="es-MX" sz="2000" b="1" dirty="0"/>
+              <a:t>	</a:t>
+            </a:r>
+            <a:r>
               <a:rPr lang="es-MX" sz="2000" b="1" dirty="0" err="1"/>
               <a:t>print</a:t>
             </a:r>
@@ -11673,10 +12111,18 @@
           <a:p>
             <a:pPr>
               <a:lnSpc>
-                <a:spcPct val="150000"/>
+                <a:spcPts val="3500"/>
               </a:lnSpc>
             </a:pPr>
             <a:r>
+              <a:rPr lang="es-MX" sz="2000" b="1" dirty="0">
+                <a:solidFill>
+                  <a:srgbClr val="FF0000"/>
+                </a:solidFill>
+              </a:rPr>
+              <a:t>	</a:t>
+            </a:r>
+            <a:r>
               <a:rPr lang="es-MX" sz="2000" b="1" dirty="0" err="1">
                 <a:solidFill>
                   <a:srgbClr val="FF0000"/>
@@ -11692,6 +12138,163 @@
               </a:rPr>
               <a:t>()</a:t>
             </a:r>
+          </a:p>
+          <a:p>
+            <a:pPr>
+              <a:lnSpc>
+                <a:spcPts val="3500"/>
+              </a:lnSpc>
+            </a:pPr>
+            <a:endParaRPr lang="es-MX" sz="2000" dirty="0"/>
+          </a:p>
+          <a:p>
+            <a:pPr>
+              <a:lnSpc>
+                <a:spcPts val="3500"/>
+              </a:lnSpc>
+            </a:pPr>
+            <a:r>
+              <a:rPr lang="en-US" sz="2000" b="1" dirty="0" err="1">
+                <a:solidFill>
+                  <a:schemeClr val="bg2">
+                    <a:lumMod val="25000"/>
+                  </a:schemeClr>
+                </a:solidFill>
+                <a:cs typeface="Arial" pitchFamily="34" charset="0"/>
+              </a:rPr>
+              <a:t>ruta</a:t>
+            </a:r>
+            <a:r>
+              <a:rPr lang="en-US" sz="2000" b="1" dirty="0">
+                <a:solidFill>
+                  <a:schemeClr val="bg2">
+                    <a:lumMod val="25000"/>
+                  </a:schemeClr>
+                </a:solidFill>
+                <a:cs typeface="Arial" pitchFamily="34" charset="0"/>
+              </a:rPr>
+              <a:t> = str(input(</a:t>
+            </a:r>
+            <a:r>
+              <a:rPr lang="es-MX" sz="2000" dirty="0"/>
+              <a:t>"</a:t>
+            </a:r>
+            <a:r>
+              <a:rPr lang="en-US" sz="2000" b="1" dirty="0">
+                <a:solidFill>
+                  <a:schemeClr val="bg2">
+                    <a:lumMod val="25000"/>
+                  </a:schemeClr>
+                </a:solidFill>
+                <a:cs typeface="Arial" pitchFamily="34" charset="0"/>
+              </a:rPr>
+              <a:t>Introduce el </a:t>
+            </a:r>
+            <a:r>
+              <a:rPr lang="en-US" sz="2000" b="1" dirty="0" err="1">
+                <a:solidFill>
+                  <a:schemeClr val="bg2">
+                    <a:lumMod val="25000"/>
+                  </a:schemeClr>
+                </a:solidFill>
+                <a:cs typeface="Arial" pitchFamily="34" charset="0"/>
+              </a:rPr>
+              <a:t>nombre</a:t>
+            </a:r>
+            <a:r>
+              <a:rPr lang="en-US" sz="2000" b="1" dirty="0">
+                <a:solidFill>
+                  <a:schemeClr val="bg2">
+                    <a:lumMod val="25000"/>
+                  </a:schemeClr>
+                </a:solidFill>
+                <a:cs typeface="Arial" pitchFamily="34" charset="0"/>
+              </a:rPr>
+              <a:t> del </a:t>
+            </a:r>
+            <a:r>
+              <a:rPr lang="en-US" sz="2000" b="1" dirty="0" err="1">
+                <a:solidFill>
+                  <a:schemeClr val="bg2">
+                    <a:lumMod val="25000"/>
+                  </a:schemeClr>
+                </a:solidFill>
+                <a:cs typeface="Arial" pitchFamily="34" charset="0"/>
+              </a:rPr>
+              <a:t>archivo</a:t>
+            </a:r>
+            <a:r>
+              <a:rPr lang="es-MX" sz="2000" dirty="0"/>
+              <a:t>"</a:t>
+            </a:r>
+            <a:r>
+              <a:rPr lang="en-US" sz="2000" b="1" dirty="0">
+                <a:solidFill>
+                  <a:schemeClr val="bg2">
+                    <a:lumMod val="25000"/>
+                  </a:schemeClr>
+                </a:solidFill>
+                <a:cs typeface="Arial" pitchFamily="34" charset="0"/>
+              </a:rPr>
+              <a:t>))</a:t>
+            </a:r>
+          </a:p>
+          <a:p>
+            <a:pPr>
+              <a:lnSpc>
+                <a:spcPts val="3500"/>
+              </a:lnSpc>
+            </a:pPr>
+            <a:r>
+              <a:rPr lang="en-US" sz="2000" b="1" dirty="0" err="1">
+                <a:solidFill>
+                  <a:srgbClr val="0070C0"/>
+                </a:solidFill>
+                <a:cs typeface="Arial" pitchFamily="34" charset="0"/>
+              </a:rPr>
+              <a:t>escribeFrases</a:t>
+            </a:r>
+            <a:r>
+              <a:rPr lang="en-US" sz="2000" b="1" dirty="0">
+                <a:solidFill>
+                  <a:schemeClr val="bg2">
+                    <a:lumMod val="25000"/>
+                  </a:schemeClr>
+                </a:solidFill>
+                <a:cs typeface="Arial" pitchFamily="34" charset="0"/>
+              </a:rPr>
+              <a:t>(</a:t>
+            </a:r>
+            <a:r>
+              <a:rPr lang="en-US" sz="2000" b="1" dirty="0" err="1">
+                <a:solidFill>
+                  <a:schemeClr val="bg2">
+                    <a:lumMod val="25000"/>
+                  </a:schemeClr>
+                </a:solidFill>
+                <a:cs typeface="Arial" pitchFamily="34" charset="0"/>
+              </a:rPr>
+              <a:t>ruta</a:t>
+            </a:r>
+            <a:r>
+              <a:rPr lang="en-US" sz="2000" b="1" dirty="0">
+                <a:solidFill>
+                  <a:schemeClr val="bg2">
+                    <a:lumMod val="25000"/>
+                  </a:schemeClr>
+                </a:solidFill>
+                <a:cs typeface="Arial" pitchFamily="34" charset="0"/>
+              </a:rPr>
+              <a:t>)</a:t>
+            </a:r>
+            <a:endParaRPr lang="es-ES" sz="2000" b="1" dirty="0">
+              <a:solidFill>
+                <a:schemeClr val="bg2">
+                  <a:lumMod val="25000"/>
+                </a:schemeClr>
+              </a:solidFill>
+              <a:cs typeface="Arial" pitchFamily="34" charset="0"/>
+            </a:endParaRPr>
           </a:p>
         </p:txBody>
       </p:sp>
@@ -11876,7 +12479,7 @@
                   <a:latin typeface="Arial" pitchFamily="34" charset="0"/>
                   <a:cs typeface="Arial" pitchFamily="34" charset="0"/>
                 </a:rPr>
-                <a:t>Abrir el archivo físico</a:t>
+                <a:t>Abrir el archivo</a:t>
               </a:r>
             </a:p>
           </p:txBody>
@@ -11973,7 +12576,7 @@
           <p:spPr bwMode="auto">
             <a:xfrm>
               <a:off x="1488" y="1937"/>
-              <a:ext cx="3984" cy="327"/>
+              <a:ext cx="3984" cy="330"/>
             </a:xfrm>
             <a:prstGeom prst="rect">
               <a:avLst/>
@@ -12033,7 +12636,7 @@
                   <a:latin typeface="Arial" pitchFamily="34" charset="0"/>
                   <a:cs typeface="Arial" pitchFamily="34" charset="0"/>
                 </a:rPr>
-                <a:t>Si el archivo físico existe, procesar:</a:t>
+                <a:t>Procesar el archivo:</a:t>
               </a:r>
             </a:p>
           </p:txBody>
@@ -12310,7 +12913,7 @@
                   <a:latin typeface="Arial" pitchFamily="34" charset="0"/>
                   <a:cs typeface="Arial" pitchFamily="34" charset="0"/>
                 </a:rPr>
-                <a:t>Cerrar el archivo físico</a:t>
+                <a:t>Cerrar el archivo</a:t>
               </a:r>
             </a:p>
           </p:txBody>
@@ -13878,14 +14481,14 @@
           <p:nvPr>
             <p:extLst>
               <p:ext uri="{D42A27DB-BD31-4B8C-83A1-F6EECF244321}">
-                <p14:modId xmlns:p14="http://schemas.microsoft.com/office/powerpoint/2010/main" val="2007832967"/>
+                <p14:modId xmlns:p14="http://schemas.microsoft.com/office/powerpoint/2010/main" val="1717396504"/>
               </p:ext>
             </p:extLst>
           </p:nvPr>
         </p:nvGraphicFramePr>
         <p:xfrm>
           <a:off x="899592" y="1421126"/>
-          <a:ext cx="7560840" cy="4015747"/>
+          <a:ext cx="7560840" cy="4413527"/>
         </p:xfrm>
         <a:graphic>
           <a:graphicData uri="http://schemas.openxmlformats.org/drawingml/2006/table">
@@ -13975,7 +14578,7 @@
                       <a:pPr algn="l"/>
                       <a:r>
                         <a:rPr lang="es-MX" sz="2000" b="0" dirty="0"/>
-                        <a:t>Abre un archivo para leer</a:t>
+                        <a:t>Abre un archivo para leer únicamente.</a:t>
                       </a:r>
                     </a:p>
                   </a:txBody>
@@ -14018,7 +14621,7 @@
                       <a:pPr algn="l"/>
                       <a:r>
                         <a:rPr lang="es-MX" sz="2000" b="0" dirty="0"/>
-                        <a:t>Abre un archivo para escribir</a:t>
+                        <a:t>Abre un archivo para escribir únicamente, reemplazando el contenido actual del archivo o creándolo si no existe.</a:t>
                       </a:r>
                     </a:p>
                   </a:txBody>
@@ -14031,57 +14634,6 @@
                 </a:extLst>
               </a:tr>
               <a:tr h="1299643">
-                <a:tc>
-                  <a:txBody>
-                    <a:bodyPr/>
-                    <a:lstStyle/>
-                    <a:p>
-                      <a:pPr algn="ctr"/>
-                      <a:r>
-                        <a:rPr lang="es-MX" sz="2400" b="1" dirty="0"/>
-                        <a:t>r+ (</a:t>
-                      </a:r>
-                      <a:r>
-                        <a:rPr lang="es-MX" sz="2400" b="1" dirty="0" err="1"/>
-                        <a:t>read</a:t>
-                      </a:r>
-                      <a:r>
-                        <a:rPr lang="es-MX" sz="2400" b="1" dirty="0"/>
-                        <a:t>/</a:t>
-                      </a:r>
-                      <a:r>
-                        <a:rPr lang="es-MX" sz="2400" b="1" dirty="0" err="1"/>
-                        <a:t>write</a:t>
-                      </a:r>
-                      <a:r>
-                        <a:rPr lang="es-MX" sz="2400" b="1" dirty="0"/>
-                        <a:t>)</a:t>
-                      </a:r>
-                    </a:p>
-                  </a:txBody>
-                  <a:tcPr anchor="ctr"/>
-                </a:tc>
-                <a:tc>
-                  <a:txBody>
-                    <a:bodyPr/>
-                    <a:lstStyle/>
-                    <a:p>
-                      <a:pPr algn="l"/>
-                      <a:r>
-                        <a:rPr lang="es-MX" sz="2000" b="0" dirty="0"/>
-                        <a:t>Abre un archivo para leer y escribir</a:t>
-                      </a:r>
-                    </a:p>
-                  </a:txBody>
-                  <a:tcPr anchor="ctr"/>
-                </a:tc>
-                <a:extLst>
-                  <a:ext uri="{0D108BD9-81ED-4DB2-BD59-A6C34878D82A}">
-                    <a16:rowId xmlns:a16="http://schemas.microsoft.com/office/drawing/2014/main" val="3098528616"/>
-                  </a:ext>
-                </a:extLst>
-              </a:tr>
-              <a:tr h="752968">
                 <a:tc>
                   <a:txBody>
                     <a:bodyPr/>
@@ -14112,7 +14664,58 @@
                       <a:pPr algn="l"/>
                       <a:r>
                         <a:rPr lang="es-MX" sz="2000" b="0" dirty="0"/>
-                        <a:t>Abre un archivo para añadir.</a:t>
+                        <a:t>Abre un archivo para añadir únicamente, manteniendo el contenido actual y añadiendo los datos al final del archivo.</a:t>
+                      </a:r>
+                    </a:p>
+                  </a:txBody>
+                  <a:tcPr anchor="ctr"/>
+                </a:tc>
+                <a:extLst>
+                  <a:ext uri="{0D108BD9-81ED-4DB2-BD59-A6C34878D82A}">
+                    <a16:rowId xmlns:a16="http://schemas.microsoft.com/office/drawing/2014/main" val="3098528616"/>
+                  </a:ext>
+                </a:extLst>
+              </a:tr>
+              <a:tr h="582079">
+                <a:tc>
+                  <a:txBody>
+                    <a:bodyPr/>
+                    <a:lstStyle/>
+                    <a:p>
+                      <a:pPr marL="0" marR="0" lvl="0" indent="0" algn="ctr" defTabSz="914400" rtl="0" eaLnBrk="1" fontAlgn="auto" latinLnBrk="0" hangingPunct="1">
+                        <a:lnSpc>
+                          <a:spcPct val="100000"/>
+                        </a:lnSpc>
+                        <a:spcBef>
+                          <a:spcPts val="0"/>
+                        </a:spcBef>
+                        <a:spcAft>
+                          <a:spcPts val="0"/>
+                        </a:spcAft>
+                        <a:buClrTx/>
+                        <a:buSzTx/>
+                        <a:buFontTx/>
+                        <a:buNone/>
+                        <a:tabLst/>
+                        <a:defRPr/>
+                      </a:pPr>
+                      <a:r>
+                        <a:rPr lang="es-MX" sz="2400" b="1" dirty="0"/>
+                        <a:t>w+ ,  r+, a+</a:t>
+                      </a:r>
+                    </a:p>
+                  </a:txBody>
+                  <a:tcPr anchor="ctr"/>
+                </a:tc>
+                <a:tc>
+                  <a:txBody>
+                    <a:bodyPr/>
+                    <a:lstStyle/>
+                    <a:p>
+                      <a:pPr algn="l"/>
+                      <a:r>
+                        <a:rPr lang="es-MX" sz="2000" b="0" dirty="0"/>
+                        <a:t>Lectura y escritura</a:t>
                       </a:r>
                     </a:p>
                   </a:txBody>
@@ -14306,13 +14909,16 @@
                   <a:srgbClr val="0070C0"/>
                 </a:solidFill>
               </a:rPr>
-              <a:t>archivo</a:t>
+              <a:t>arch</a:t>
             </a:r>
             <a:r>
               <a:rPr lang="es-ES" sz="3200" b="1" dirty="0" err="1"/>
               <a:t>.close</a:t>
             </a:r>
-            <a:endParaRPr lang="es-ES" sz="3200" b="1" dirty="0"/>
+            <a:r>
+              <a:rPr lang="es-ES" sz="3200" b="1" dirty="0"/>
+              <a:t>()</a:t>
+            </a:r>
           </a:p>
         </p:txBody>
       </p:sp>
@@ -15055,8 +15661,8 @@
         </p:blipFill>
         <p:spPr>
           <a:xfrm>
-            <a:off x="6732240" y="5301208"/>
-            <a:ext cx="1728192" cy="1177331"/>
+            <a:off x="4895706" y="3574125"/>
+            <a:ext cx="3276694" cy="2232248"/>
           </a:xfrm>
           <a:prstGeom prst="rect">
             <a:avLst/>
@@ -15346,7 +15952,7 @@
                 <a:latin typeface="Arial" pitchFamily="34" charset="0"/>
                 <a:cs typeface="Arial" pitchFamily="34" charset="0"/>
               </a:rPr>
-              <a:t>()  </a:t>
+              <a:t>(1)  </a:t>
             </a:r>
             <a:r>
               <a:rPr lang="es-ES" sz="2400" dirty="0"/>
